--- a/ch06/ex.6.1.pptx
+++ b/ch06/ex.6.1.pptx
@@ -3894,25 +3894,39 @@
           </a:fontRef>
         </p:style>
         <p:txBody>
-          <a:bodyPr rtlCol="0" anchor="ctr"/>
+          <a:bodyPr wrap="none" rtlCol="0" anchor="ctr"/>
           <a:lstStyle/>
           <a:p>
             <a:pPr algn="ctr"/>
             <a:r>
-              <a:rPr lang="en-US" altLang="ja-JP" sz="1200" dirty="0" err="1" smtClean="0">
+              <a:rPr lang="en-US" altLang="ja-JP" sz="1050" dirty="0" smtClean="0">
+                <a:latin typeface="源ノ角ゴシック Code JP R" pitchFamily="34" charset="-128"/>
+                <a:ea typeface="源ノ角ゴシック Code JP R" pitchFamily="34" charset="-128"/>
+              </a:rPr>
+              <a:t>a = </a:t>
+            </a:r>
+            <a:r>
+              <a:rPr lang="en-US" altLang="ja-JP" sz="1050" dirty="0" err="1" smtClean="0">
                 <a:latin typeface="源ノ角ゴシック Code JP R" pitchFamily="34" charset="-128"/>
                 <a:ea typeface="源ノ角ゴシック Code JP R" pitchFamily="34" charset="-128"/>
               </a:rPr>
               <a:t>snoc</a:t>
             </a:r>
             <a:r>
-              <a:rPr kumimoji="1" lang="en-US" altLang="ja-JP" sz="1200" dirty="0" smtClean="0">
+              <a:rPr kumimoji="1" lang="en-US" altLang="ja-JP" sz="1050" dirty="0" smtClean="0">
                 <a:latin typeface="源ノ角ゴシック Code JP R" pitchFamily="34" charset="-128"/>
                 <a:ea typeface="源ノ角ゴシック Code JP R" pitchFamily="34" charset="-128"/>
               </a:rPr>
-              <a:t>(empty, 0)</a:t>
-            </a:r>
-            <a:endParaRPr kumimoji="1" lang="ja-JP" altLang="en-US" sz="1200" dirty="0">
+              <a:t>(empty</a:t>
+            </a:r>
+            <a:r>
+              <a:rPr kumimoji="1" lang="en-US" altLang="ja-JP" sz="1050" dirty="0" smtClean="0">
+                <a:latin typeface="源ノ角ゴシック Code JP R" pitchFamily="34" charset="-128"/>
+                <a:ea typeface="源ノ角ゴシック Code JP R" pitchFamily="34" charset="-128"/>
+              </a:rPr>
+              <a:t>, 0)</a:t>
+            </a:r>
+            <a:endParaRPr kumimoji="1" lang="ja-JP" altLang="en-US" sz="1050" dirty="0">
               <a:latin typeface="源ノ角ゴシック Code JP R" pitchFamily="34" charset="-128"/>
               <a:ea typeface="源ノ角ゴシック Code JP R" pitchFamily="34" charset="-128"/>
             </a:endParaRPr>
@@ -3949,25 +3963,39 @@
           </a:fontRef>
         </p:style>
         <p:txBody>
-          <a:bodyPr rtlCol="0" anchor="ctr"/>
+          <a:bodyPr wrap="none" rtlCol="0" anchor="ctr"/>
           <a:lstStyle/>
           <a:p>
             <a:pPr algn="ctr"/>
             <a:r>
-              <a:rPr lang="en-US" altLang="ja-JP" sz="1200" dirty="0" err="1" smtClean="0">
+              <a:rPr lang="en-US" altLang="ja-JP" sz="1050" dirty="0" smtClean="0">
+                <a:latin typeface="源ノ角ゴシック Code JP R" pitchFamily="34" charset="-128"/>
+                <a:ea typeface="源ノ角ゴシック Code JP R" pitchFamily="34" charset="-128"/>
+              </a:rPr>
+              <a:t>b = </a:t>
+            </a:r>
+            <a:r>
+              <a:rPr lang="en-US" altLang="ja-JP" sz="1050" dirty="0" err="1" smtClean="0">
                 <a:latin typeface="源ノ角ゴシック Code JP R" pitchFamily="34" charset="-128"/>
                 <a:ea typeface="源ノ角ゴシック Code JP R" pitchFamily="34" charset="-128"/>
               </a:rPr>
               <a:t>snoc</a:t>
             </a:r>
             <a:r>
-              <a:rPr kumimoji="1" lang="en-US" altLang="ja-JP" sz="1200" dirty="0" smtClean="0">
+              <a:rPr kumimoji="1" lang="en-US" altLang="ja-JP" sz="1050" dirty="0" smtClean="0">
                 <a:latin typeface="源ノ角ゴシック Code JP R" pitchFamily="34" charset="-128"/>
                 <a:ea typeface="源ノ角ゴシック Code JP R" pitchFamily="34" charset="-128"/>
               </a:rPr>
-              <a:t>(a, 1)</a:t>
-            </a:r>
-            <a:endParaRPr kumimoji="1" lang="ja-JP" altLang="en-US" sz="1200" dirty="0">
+              <a:t>(a</a:t>
+            </a:r>
+            <a:r>
+              <a:rPr kumimoji="1" lang="en-US" altLang="ja-JP" sz="1050" dirty="0" smtClean="0">
+                <a:latin typeface="源ノ角ゴシック Code JP R" pitchFamily="34" charset="-128"/>
+                <a:ea typeface="源ノ角ゴシック Code JP R" pitchFamily="34" charset="-128"/>
+              </a:rPr>
+              <a:t>, 1)</a:t>
+            </a:r>
+            <a:endParaRPr kumimoji="1" lang="ja-JP" altLang="en-US" sz="1050" dirty="0">
               <a:latin typeface="源ノ角ゴシック Code JP R" pitchFamily="34" charset="-128"/>
               <a:ea typeface="源ノ角ゴシック Code JP R" pitchFamily="34" charset="-128"/>
             </a:endParaRPr>
@@ -4004,18 +4032,25 @@
           </a:fontRef>
         </p:style>
         <p:txBody>
-          <a:bodyPr rtlCol="0" anchor="ctr"/>
+          <a:bodyPr wrap="none" rtlCol="0" anchor="ctr"/>
           <a:lstStyle/>
           <a:p>
             <a:pPr algn="ctr"/>
             <a:r>
-              <a:rPr lang="en-US" altLang="ja-JP" sz="1200" dirty="0" smtClean="0">
+              <a:rPr lang="en-US" altLang="ja-JP" sz="1050" dirty="0" smtClean="0">
                 <a:latin typeface="源ノ角ゴシック Code JP R" pitchFamily="34" charset="-128"/>
                 <a:ea typeface="源ノ角ゴシック Code JP R" pitchFamily="34" charset="-128"/>
               </a:rPr>
-              <a:t>tail b</a:t>
-            </a:r>
-            <a:endParaRPr kumimoji="1" lang="ja-JP" altLang="en-US" sz="1200" dirty="0">
+              <a:t>c = tail </a:t>
+            </a:r>
+            <a:r>
+              <a:rPr lang="en-US" altLang="ja-JP" sz="1050" dirty="0" smtClean="0">
+                <a:latin typeface="源ノ角ゴシック Code JP R" pitchFamily="34" charset="-128"/>
+                <a:ea typeface="源ノ角ゴシック Code JP R" pitchFamily="34" charset="-128"/>
+              </a:rPr>
+              <a:t>b</a:t>
+            </a:r>
+            <a:endParaRPr kumimoji="1" lang="ja-JP" altLang="en-US" sz="1050" dirty="0">
               <a:latin typeface="源ノ角ゴシック Code JP R" pitchFamily="34" charset="-128"/>
               <a:ea typeface="源ノ角ゴシック Code JP R" pitchFamily="34" charset="-128"/>
             </a:endParaRPr>
@@ -4052,25 +4087,39 @@
           </a:fontRef>
         </p:style>
         <p:txBody>
-          <a:bodyPr rtlCol="0" anchor="ctr"/>
+          <a:bodyPr wrap="none" rtlCol="0" anchor="ctr"/>
           <a:lstStyle/>
           <a:p>
             <a:pPr algn="ctr"/>
             <a:r>
-              <a:rPr lang="en-US" altLang="ja-JP" sz="1200" dirty="0" err="1" smtClean="0">
+              <a:rPr lang="en-US" altLang="ja-JP" sz="1050" dirty="0" smtClean="0">
+                <a:latin typeface="源ノ角ゴシック Code JP R" pitchFamily="34" charset="-128"/>
+                <a:ea typeface="源ノ角ゴシック Code JP R" pitchFamily="34" charset="-128"/>
+              </a:rPr>
+              <a:t>d = </a:t>
+            </a:r>
+            <a:r>
+              <a:rPr lang="en-US" altLang="ja-JP" sz="1050" dirty="0" err="1" smtClean="0">
                 <a:latin typeface="源ノ角ゴシック Code JP R" pitchFamily="34" charset="-128"/>
                 <a:ea typeface="源ノ角ゴシック Code JP R" pitchFamily="34" charset="-128"/>
               </a:rPr>
               <a:t>snoc</a:t>
             </a:r>
             <a:r>
-              <a:rPr lang="en-US" altLang="ja-JP" sz="1200" dirty="0" smtClean="0">
+              <a:rPr lang="en-US" altLang="ja-JP" sz="1050" dirty="0" smtClean="0">
                 <a:latin typeface="源ノ角ゴシック Code JP R" pitchFamily="34" charset="-128"/>
                 <a:ea typeface="源ノ角ゴシック Code JP R" pitchFamily="34" charset="-128"/>
               </a:rPr>
-              <a:t>(b, 2)</a:t>
-            </a:r>
-            <a:endParaRPr kumimoji="1" lang="ja-JP" altLang="en-US" sz="1200" dirty="0">
+              <a:t>(b</a:t>
+            </a:r>
+            <a:r>
+              <a:rPr lang="en-US" altLang="ja-JP" sz="1050" dirty="0" smtClean="0">
+                <a:latin typeface="源ノ角ゴシック Code JP R" pitchFamily="34" charset="-128"/>
+                <a:ea typeface="源ノ角ゴシック Code JP R" pitchFamily="34" charset="-128"/>
+              </a:rPr>
+              <a:t>, 2)</a:t>
+            </a:r>
+            <a:endParaRPr kumimoji="1" lang="ja-JP" altLang="en-US" sz="1050" dirty="0">
               <a:latin typeface="源ノ角ゴシック Code JP R" pitchFamily="34" charset="-128"/>
               <a:ea typeface="源ノ角ゴシック Code JP R" pitchFamily="34" charset="-128"/>
             </a:endParaRPr>
@@ -4107,18 +4156,25 @@
           </a:fontRef>
         </p:style>
         <p:txBody>
-          <a:bodyPr rtlCol="0" anchor="ctr"/>
+          <a:bodyPr wrap="none" rtlCol="0" anchor="ctr"/>
           <a:lstStyle/>
           <a:p>
             <a:pPr algn="ctr"/>
             <a:r>
-              <a:rPr lang="en-US" altLang="ja-JP" sz="1200" dirty="0" smtClean="0">
+              <a:rPr lang="en-US" altLang="ja-JP" sz="1050" dirty="0" smtClean="0">
                 <a:latin typeface="源ノ角ゴシック Code JP R" pitchFamily="34" charset="-128"/>
                 <a:ea typeface="源ノ角ゴシック Code JP R" pitchFamily="34" charset="-128"/>
               </a:rPr>
-              <a:t>tail c</a:t>
-            </a:r>
-            <a:endParaRPr kumimoji="1" lang="ja-JP" altLang="en-US" sz="1200" dirty="0">
+              <a:t>f = tail </a:t>
+            </a:r>
+            <a:r>
+              <a:rPr lang="en-US" altLang="ja-JP" sz="1050" dirty="0" smtClean="0">
+                <a:latin typeface="源ノ角ゴシック Code JP R" pitchFamily="34" charset="-128"/>
+                <a:ea typeface="源ノ角ゴシック Code JP R" pitchFamily="34" charset="-128"/>
+              </a:rPr>
+              <a:t>c</a:t>
+            </a:r>
+            <a:endParaRPr kumimoji="1" lang="ja-JP" altLang="en-US" sz="1050" dirty="0">
               <a:latin typeface="源ノ角ゴシック Code JP R" pitchFamily="34" charset="-128"/>
               <a:ea typeface="源ノ角ゴシック Code JP R" pitchFamily="34" charset="-128"/>
             </a:endParaRPr>
@@ -4155,25 +4211,25 @@
           </a:fontRef>
         </p:style>
         <p:txBody>
-          <a:bodyPr rtlCol="0" anchor="ctr"/>
+          <a:bodyPr wrap="none" rtlCol="0" anchor="ctr"/>
           <a:lstStyle/>
           <a:p>
             <a:pPr algn="ctr"/>
             <a:r>
-              <a:rPr lang="en-US" altLang="ja-JP" sz="1200" dirty="0">
+              <a:rPr lang="en-US" altLang="ja-JP" sz="1050" dirty="0" smtClean="0">
                 <a:latin typeface="源ノ角ゴシック Code JP R" pitchFamily="34" charset="-128"/>
                 <a:ea typeface="源ノ角ゴシック Code JP R" pitchFamily="34" charset="-128"/>
               </a:rPr>
-              <a:t>c</a:t>
-            </a:r>
-            <a:r>
-              <a:rPr lang="en-US" altLang="ja-JP" sz="1200" dirty="0" smtClean="0">
+              <a:t>e = c </a:t>
+            </a:r>
+            <a:r>
+              <a:rPr lang="en-US" altLang="ja-JP" sz="1050" dirty="0" smtClean="0">
                 <a:latin typeface="源ノ角ゴシック Code JP R" pitchFamily="34" charset="-128"/>
                 <a:ea typeface="源ノ角ゴシック Code JP R" pitchFamily="34" charset="-128"/>
               </a:rPr>
-              <a:t> ++ d</a:t>
-            </a:r>
-            <a:endParaRPr kumimoji="1" lang="ja-JP" altLang="en-US" sz="1200" dirty="0">
+              <a:t>++ d</a:t>
+            </a:r>
+            <a:endParaRPr kumimoji="1" lang="ja-JP" altLang="en-US" sz="1050" dirty="0">
               <a:latin typeface="源ノ角ゴシック Code JP R" pitchFamily="34" charset="-128"/>
               <a:ea typeface="源ノ角ゴシック Code JP R" pitchFamily="34" charset="-128"/>
             </a:endParaRPr>
@@ -4210,25 +4266,32 @@
           </a:fontRef>
         </p:style>
         <p:txBody>
-          <a:bodyPr rtlCol="0" anchor="ctr"/>
+          <a:bodyPr wrap="none" rtlCol="0" anchor="ctr"/>
           <a:lstStyle/>
           <a:p>
             <a:pPr algn="ctr"/>
             <a:r>
-              <a:rPr lang="en-US" altLang="ja-JP" sz="1200" dirty="0" err="1" smtClean="0">
+              <a:rPr lang="en-US" altLang="ja-JP" sz="1050" dirty="0" smtClean="0">
+                <a:latin typeface="源ノ角ゴシック Code JP R" pitchFamily="34" charset="-128"/>
+                <a:ea typeface="源ノ角ゴシック Code JP R" pitchFamily="34" charset="-128"/>
+              </a:rPr>
+              <a:t>g = </a:t>
+            </a:r>
+            <a:r>
+              <a:rPr lang="en-US" altLang="ja-JP" sz="1050" dirty="0" err="1" smtClean="0">
                 <a:latin typeface="源ノ角ゴシック Code JP R" pitchFamily="34" charset="-128"/>
                 <a:ea typeface="源ノ角ゴシック Code JP R" pitchFamily="34" charset="-128"/>
               </a:rPr>
               <a:t>snoc</a:t>
             </a:r>
             <a:r>
-              <a:rPr lang="en-US" altLang="ja-JP" sz="1200" dirty="0" smtClean="0">
+              <a:rPr lang="en-US" altLang="ja-JP" sz="1050" dirty="0" smtClean="0">
                 <a:latin typeface="源ノ角ゴシック Code JP R" pitchFamily="34" charset="-128"/>
                 <a:ea typeface="源ノ角ゴシック Code JP R" pitchFamily="34" charset="-128"/>
               </a:rPr>
-              <a:t>(d, 2)</a:t>
-            </a:r>
-            <a:endParaRPr lang="ja-JP" altLang="en-US" sz="1200" dirty="0">
+              <a:t>(d, 3)</a:t>
+            </a:r>
+            <a:endParaRPr lang="ja-JP" altLang="en-US" sz="1050" dirty="0">
               <a:latin typeface="源ノ角ゴシック Code JP R" pitchFamily="34" charset="-128"/>
               <a:ea typeface="源ノ角ゴシック Code JP R" pitchFamily="34" charset="-128"/>
             </a:endParaRPr>
@@ -4508,6 +4571,258 @@
           </a:fontRef>
         </p:style>
       </p:cxnSp>
+      <p:sp>
+        <p:nvSpPr>
+          <p:cNvPr id="2" name="テキスト ボックス 1"/>
+          <p:cNvSpPr txBox="1"/>
+          <p:nvPr/>
+        </p:nvSpPr>
+        <p:spPr>
+          <a:xfrm>
+            <a:off x="1152742" y="2880000"/>
+            <a:ext cx="274434" cy="253916"/>
+          </a:xfrm>
+          <a:prstGeom prst="rect">
+            <a:avLst/>
+          </a:prstGeom>
+          <a:noFill/>
+        </p:spPr>
+        <p:txBody>
+          <a:bodyPr wrap="none" rtlCol="0">
+            <a:spAutoFit/>
+          </a:bodyPr>
+          <a:lstStyle/>
+          <a:p>
+            <a:r>
+              <a:rPr kumimoji="1" lang="en-US" altLang="ja-JP" sz="1050" dirty="0" smtClean="0">
+                <a:latin typeface="源ノ角ゴシック Code JP R" pitchFamily="34" charset="-128"/>
+                <a:ea typeface="源ノ角ゴシック Code JP R" pitchFamily="34" charset="-128"/>
+              </a:rPr>
+              <a:t>1</a:t>
+            </a:r>
+            <a:endParaRPr kumimoji="1" lang="ja-JP" altLang="en-US" sz="1050" dirty="0">
+              <a:latin typeface="源ノ角ゴシック Code JP R" pitchFamily="34" charset="-128"/>
+              <a:ea typeface="源ノ角ゴシック Code JP R" pitchFamily="34" charset="-128"/>
+            </a:endParaRPr>
+          </a:p>
+        </p:txBody>
+      </p:sp>
+      <p:sp>
+        <p:nvSpPr>
+          <p:cNvPr id="17" name="テキスト ボックス 16"/>
+          <p:cNvSpPr txBox="1"/>
+          <p:nvPr/>
+        </p:nvSpPr>
+        <p:spPr>
+          <a:xfrm>
+            <a:off x="2592742" y="2879074"/>
+            <a:ext cx="274434" cy="253916"/>
+          </a:xfrm>
+          <a:prstGeom prst="rect">
+            <a:avLst/>
+          </a:prstGeom>
+          <a:noFill/>
+        </p:spPr>
+        <p:txBody>
+          <a:bodyPr wrap="none" rtlCol="0">
+            <a:spAutoFit/>
+          </a:bodyPr>
+          <a:lstStyle/>
+          <a:p>
+            <a:r>
+              <a:rPr kumimoji="1" lang="en-US" altLang="ja-JP" sz="1050" dirty="0" smtClean="0">
+                <a:latin typeface="源ノ角ゴシック Code JP R" pitchFamily="34" charset="-128"/>
+                <a:ea typeface="源ノ角ゴシック Code JP R" pitchFamily="34" charset="-128"/>
+              </a:rPr>
+              <a:t>1</a:t>
+            </a:r>
+            <a:endParaRPr kumimoji="1" lang="ja-JP" altLang="en-US" sz="1050" dirty="0">
+              <a:latin typeface="源ノ角ゴシック Code JP R" pitchFamily="34" charset="-128"/>
+              <a:ea typeface="源ノ角ゴシック Code JP R" pitchFamily="34" charset="-128"/>
+            </a:endParaRPr>
+          </a:p>
+        </p:txBody>
+      </p:sp>
+      <p:sp>
+        <p:nvSpPr>
+          <p:cNvPr id="18" name="テキスト ボックス 17"/>
+          <p:cNvSpPr txBox="1"/>
+          <p:nvPr/>
+        </p:nvSpPr>
+        <p:spPr>
+          <a:xfrm>
+            <a:off x="4032742" y="2879073"/>
+            <a:ext cx="274434" cy="253916"/>
+          </a:xfrm>
+          <a:prstGeom prst="rect">
+            <a:avLst/>
+          </a:prstGeom>
+          <a:noFill/>
+        </p:spPr>
+        <p:txBody>
+          <a:bodyPr wrap="none" rtlCol="0">
+            <a:spAutoFit/>
+          </a:bodyPr>
+          <a:lstStyle/>
+          <a:p>
+            <a:r>
+              <a:rPr kumimoji="1" lang="en-US" altLang="ja-JP" sz="1050" dirty="0" smtClean="0">
+                <a:latin typeface="源ノ角ゴシック Code JP R" pitchFamily="34" charset="-128"/>
+                <a:ea typeface="源ノ角ゴシック Code JP R" pitchFamily="34" charset="-128"/>
+              </a:rPr>
+              <a:t>1</a:t>
+            </a:r>
+            <a:endParaRPr kumimoji="1" lang="ja-JP" altLang="en-US" sz="1050" dirty="0">
+              <a:latin typeface="源ノ角ゴシック Code JP R" pitchFamily="34" charset="-128"/>
+              <a:ea typeface="源ノ角ゴシック Code JP R" pitchFamily="34" charset="-128"/>
+            </a:endParaRPr>
+          </a:p>
+        </p:txBody>
+      </p:sp>
+      <p:sp>
+        <p:nvSpPr>
+          <p:cNvPr id="19" name="テキスト ボックス 18"/>
+          <p:cNvSpPr txBox="1"/>
+          <p:nvPr/>
+        </p:nvSpPr>
+        <p:spPr>
+          <a:xfrm>
+            <a:off x="1874467" y="2160000"/>
+            <a:ext cx="274434" cy="253916"/>
+          </a:xfrm>
+          <a:prstGeom prst="rect">
+            <a:avLst/>
+          </a:prstGeom>
+          <a:noFill/>
+        </p:spPr>
+        <p:txBody>
+          <a:bodyPr wrap="none" rtlCol="0">
+            <a:spAutoFit/>
+          </a:bodyPr>
+          <a:lstStyle/>
+          <a:p>
+            <a:r>
+              <a:rPr kumimoji="1" lang="en-US" altLang="ja-JP" sz="1050" dirty="0" smtClean="0">
+                <a:latin typeface="源ノ角ゴシック Code JP R" pitchFamily="34" charset="-128"/>
+                <a:ea typeface="源ノ角ゴシック Code JP R" pitchFamily="34" charset="-128"/>
+              </a:rPr>
+              <a:t>2</a:t>
+            </a:r>
+            <a:endParaRPr kumimoji="1" lang="ja-JP" altLang="en-US" sz="1050" dirty="0">
+              <a:latin typeface="源ノ角ゴシック Code JP R" pitchFamily="34" charset="-128"/>
+              <a:ea typeface="源ノ角ゴシック Code JP R" pitchFamily="34" charset="-128"/>
+            </a:endParaRPr>
+          </a:p>
+        </p:txBody>
+      </p:sp>
+      <p:sp>
+        <p:nvSpPr>
+          <p:cNvPr id="20" name="テキスト ボックス 19"/>
+          <p:cNvSpPr txBox="1"/>
+          <p:nvPr/>
+        </p:nvSpPr>
+        <p:spPr>
+          <a:xfrm>
+            <a:off x="3492292" y="2160000"/>
+            <a:ext cx="274434" cy="253916"/>
+          </a:xfrm>
+          <a:prstGeom prst="rect">
+            <a:avLst/>
+          </a:prstGeom>
+          <a:noFill/>
+        </p:spPr>
+        <p:txBody>
+          <a:bodyPr wrap="none" rtlCol="0">
+            <a:spAutoFit/>
+          </a:bodyPr>
+          <a:lstStyle/>
+          <a:p>
+            <a:r>
+              <a:rPr kumimoji="1" lang="en-US" altLang="ja-JP" sz="1050" dirty="0" smtClean="0">
+                <a:latin typeface="源ノ角ゴシック Code JP R" pitchFamily="34" charset="-128"/>
+                <a:ea typeface="源ノ角ゴシック Code JP R" pitchFamily="34" charset="-128"/>
+              </a:rPr>
+              <a:t>2</a:t>
+            </a:r>
+            <a:endParaRPr kumimoji="1" lang="ja-JP" altLang="en-US" sz="1050" dirty="0">
+              <a:latin typeface="源ノ角ゴシック Code JP R" pitchFamily="34" charset="-128"/>
+              <a:ea typeface="源ノ角ゴシック Code JP R" pitchFamily="34" charset="-128"/>
+            </a:endParaRPr>
+          </a:p>
+        </p:txBody>
+      </p:sp>
+      <p:sp>
+        <p:nvSpPr>
+          <p:cNvPr id="21" name="テキスト ボックス 20"/>
+          <p:cNvSpPr txBox="1"/>
+          <p:nvPr/>
+        </p:nvSpPr>
+        <p:spPr>
+          <a:xfrm>
+            <a:off x="2772742" y="1440000"/>
+            <a:ext cx="274434" cy="253916"/>
+          </a:xfrm>
+          <a:prstGeom prst="rect">
+            <a:avLst/>
+          </a:prstGeom>
+          <a:noFill/>
+        </p:spPr>
+        <p:txBody>
+          <a:bodyPr wrap="none" rtlCol="0">
+            <a:spAutoFit/>
+          </a:bodyPr>
+          <a:lstStyle/>
+          <a:p>
+            <a:r>
+              <a:rPr lang="en-US" altLang="ja-JP" sz="1050" dirty="0">
+                <a:latin typeface="源ノ角ゴシック Code JP R" pitchFamily="34" charset="-128"/>
+                <a:ea typeface="源ノ角ゴシック Code JP R" pitchFamily="34" charset="-128"/>
+              </a:rPr>
+              <a:t>4</a:t>
+            </a:r>
+            <a:endParaRPr kumimoji="1" lang="ja-JP" altLang="en-US" sz="1050" dirty="0">
+              <a:latin typeface="源ノ角ゴシック Code JP R" pitchFamily="34" charset="-128"/>
+              <a:ea typeface="源ノ角ゴシック Code JP R" pitchFamily="34" charset="-128"/>
+            </a:endParaRPr>
+          </a:p>
+        </p:txBody>
+      </p:sp>
+      <p:sp>
+        <p:nvSpPr>
+          <p:cNvPr id="22" name="テキスト ボックス 21"/>
+          <p:cNvSpPr txBox="1"/>
+          <p:nvPr/>
+        </p:nvSpPr>
+        <p:spPr>
+          <a:xfrm>
+            <a:off x="2952742" y="720000"/>
+            <a:ext cx="274434" cy="253916"/>
+          </a:xfrm>
+          <a:prstGeom prst="rect">
+            <a:avLst/>
+          </a:prstGeom>
+          <a:noFill/>
+        </p:spPr>
+        <p:txBody>
+          <a:bodyPr wrap="none" rtlCol="0">
+            <a:spAutoFit/>
+          </a:bodyPr>
+          <a:lstStyle/>
+          <a:p>
+            <a:r>
+              <a:rPr lang="en-US" altLang="ja-JP" sz="1050" dirty="0">
+                <a:latin typeface="源ノ角ゴシック Code JP R" pitchFamily="34" charset="-128"/>
+                <a:ea typeface="源ノ角ゴシック Code JP R" pitchFamily="34" charset="-128"/>
+              </a:rPr>
+              <a:t>4</a:t>
+            </a:r>
+            <a:endParaRPr kumimoji="1" lang="ja-JP" altLang="en-US" sz="1050" dirty="0">
+              <a:latin typeface="源ノ角ゴシック Code JP R" pitchFamily="34" charset="-128"/>
+              <a:ea typeface="源ノ角ゴシック Code JP R" pitchFamily="34" charset="-128"/>
+            </a:endParaRPr>
+          </a:p>
+        </p:txBody>
+      </p:sp>
     </p:spTree>
     <p:extLst>
       <p:ext uri="{BB962C8B-B14F-4D97-AF65-F5344CB8AC3E}">
